--- a/materials/slides/ch04/04 接口测试结果验证.pptx
+++ b/materials/slides/ch04/04 接口测试结果验证.pptx
@@ -203,7 +203,7 @@
           <a:p>
             <a:fld id="{E45DE43E-AE57-4683-A429-3F46F1978ACA}" type="datetimeFigureOut">
               <a:rPr lang="zh-CN" altLang="en-US" smtClean="0"/>
-              <a:t>2018/10/26</a:t>
+              <a:t>2019/9/11</a:t>
             </a:fld>
             <a:endParaRPr lang="zh-CN" altLang="en-US"/>
           </a:p>
@@ -516,73 +516,33 @@
           <a:lstStyle/>
           <a:p>
             <a:r>
-              <a:rPr lang="en-US" altLang="zh-CN" b="1" dirty="0" err="1" smtClean="0"/>
+              <a:rPr lang="en-US" altLang="zh-CN" sz="1200" dirty="0" err="1" smtClean="0"/>
               <a:t>JSON</a:t>
             </a:r>
             <a:r>
-              <a:rPr lang="en-US" altLang="zh-CN" b="1" dirty="0" smtClean="0"/>
+              <a:rPr lang="en-US" altLang="zh-CN" sz="1200" dirty="0" smtClean="0"/>
               <a:t> </a:t>
             </a:r>
             <a:r>
-              <a:rPr lang="zh-CN" altLang="en-US" b="1" dirty="0" smtClean="0"/>
-              <a:t>语法规则</a:t>
-            </a:r>
-          </a:p>
-          <a:p>
-            <a:r>
-              <a:rPr lang="en-US" altLang="zh-CN" dirty="0" err="1" smtClean="0"/>
-              <a:t>JSON</a:t>
-            </a:r>
-            <a:r>
-              <a:rPr lang="en-US" altLang="zh-CN" dirty="0" smtClean="0"/>
-              <a:t> </a:t>
-            </a:r>
-            <a:r>
-              <a:rPr lang="zh-CN" altLang="en-US" dirty="0" smtClean="0"/>
-              <a:t>语法是 </a:t>
-            </a:r>
-            <a:r>
-              <a:rPr lang="en-US" altLang="zh-CN" dirty="0" smtClean="0"/>
-              <a:t>JavaScript </a:t>
-            </a:r>
-            <a:r>
-              <a:rPr lang="zh-CN" altLang="en-US" dirty="0" smtClean="0"/>
-              <a:t>对象表示法语法的子集。</a:t>
-            </a:r>
-          </a:p>
-          <a:p>
-            <a:r>
-              <a:rPr lang="zh-CN" altLang="en-US" smtClean="0"/>
-              <a:t>数据在键</a:t>
-            </a:r>
-            <a:r>
-              <a:rPr lang="en-US" altLang="zh-CN" smtClean="0"/>
-              <a:t>/</a:t>
-            </a:r>
-            <a:r>
-              <a:rPr lang="zh-CN" altLang="en-US" dirty="0" smtClean="0"/>
-              <a:t>值对中</a:t>
-            </a:r>
-          </a:p>
-          <a:p>
-            <a:r>
-              <a:rPr lang="zh-CN" altLang="en-US" dirty="0" smtClean="0"/>
-              <a:t>数据由逗号分隔</a:t>
-            </a:r>
-          </a:p>
-          <a:p>
-            <a:r>
-              <a:rPr lang="zh-CN" altLang="en-US" dirty="0" smtClean="0"/>
-              <a:t>花括号保存对象</a:t>
-            </a:r>
-          </a:p>
-          <a:p>
-            <a:r>
-              <a:rPr lang="zh-CN" altLang="en-US" dirty="0" smtClean="0"/>
-              <a:t>方括号保存数组</a:t>
-            </a:r>
-          </a:p>
-          <a:p>
+              <a:rPr lang="zh-CN" altLang="en-US" sz="1200" dirty="0" smtClean="0"/>
+              <a:t>是一种文本形式的数据交换格式，它比</a:t>
+            </a:r>
+            <a:r>
+              <a:rPr lang="en-US" altLang="zh-CN" sz="1200" dirty="0" smtClean="0"/>
+              <a:t>XML</a:t>
+            </a:r>
+            <a:r>
+              <a:rPr lang="zh-CN" altLang="en-US" sz="1200" dirty="0" smtClean="0"/>
+              <a:t>更轻量、比二进制容易阅读和编写，调式也更加方便</a:t>
+            </a:r>
+            <a:r>
+              <a:rPr lang="en-US" altLang="zh-CN" sz="1200" dirty="0" smtClean="0"/>
+              <a:t>;</a:t>
+            </a:r>
+            <a:r>
+              <a:rPr lang="zh-CN" altLang="en-US" sz="1200" dirty="0" smtClean="0"/>
+              <a:t>解析和生成的方式很多，</a:t>
+            </a:r>
             <a:endParaRPr lang="zh-CN" altLang="en-US" dirty="0"/>
           </a:p>
         </p:txBody>
@@ -949,7 +909,7 @@
           <a:p>
             <a:fld id="{530820CF-B880-4189-942D-D702A7CBA730}" type="datetimeFigureOut">
               <a:rPr lang="zh-CN" altLang="en-US" smtClean="0"/>
-              <a:t>2018/10/26</a:t>
+              <a:t>2019/9/11</a:t>
             </a:fld>
             <a:endParaRPr lang="zh-CN" altLang="en-US"/>
           </a:p>
@@ -1347,7 +1307,7 @@
           <a:p>
             <a:fld id="{530820CF-B880-4189-942D-D702A7CBA730}" type="datetimeFigureOut">
               <a:rPr lang="zh-CN" altLang="en-US" smtClean="0"/>
-              <a:t>2018/10/26</a:t>
+              <a:t>2019/9/11</a:t>
             </a:fld>
             <a:endParaRPr lang="zh-CN" altLang="en-US"/>
           </a:p>
@@ -1893,7 +1853,7 @@
           <a:p>
             <a:fld id="{530820CF-B880-4189-942D-D702A7CBA730}" type="datetimeFigureOut">
               <a:rPr lang="zh-CN" altLang="en-US" smtClean="0"/>
-              <a:t>2018/10/26</a:t>
+              <a:t>2019/9/11</a:t>
             </a:fld>
             <a:endParaRPr lang="zh-CN" altLang="en-US"/>
           </a:p>
@@ -5092,11 +5052,7 @@
             </a:pPr>
             <a:r>
               <a:rPr lang="zh-CN" altLang="en-US" sz="2800" dirty="0" smtClean="0"/>
-              <a:t>如果当前请求无结果，可以通过后续请求来验证当前请求</a:t>
-            </a:r>
-            <a:r>
-              <a:rPr lang="zh-CN" altLang="en-US" sz="2800" dirty="0" smtClean="0"/>
-              <a:t>结果，或者通过</a:t>
+              <a:t>如果当前请求无结果，可以通过后续请求来验证当前请求结果，或者通过</a:t>
             </a:r>
             <a:r>
               <a:rPr lang="en-US" altLang="zh-CN" sz="2800" dirty="0" err="1" smtClean="0"/>
@@ -7413,8 +7369,8 @@
         </p:nvSpPr>
         <p:spPr>
           <a:xfrm>
-            <a:off x="467544" y="771550"/>
-            <a:ext cx="8229600" cy="4824536"/>
+            <a:off x="107504" y="699542"/>
+            <a:ext cx="9361040" cy="4824536"/>
           </a:xfrm>
         </p:spPr>
         <p:txBody>
@@ -7424,6 +7380,57 @@
           <a:lstStyle/>
           <a:p>
             <a:r>
+              <a:rPr lang="en-US" altLang="zh-CN" sz="2800" dirty="0" smtClean="0"/>
+              <a:t>Java</a:t>
+            </a:r>
+            <a:r>
+              <a:rPr lang="zh-CN" altLang="en-US" sz="2800" smtClean="0"/>
+              <a:t>中解析常用</a:t>
+            </a:r>
+            <a:r>
+              <a:rPr lang="zh-CN" altLang="en-US" sz="2800" dirty="0"/>
+              <a:t>的类库有：</a:t>
+            </a:r>
+            <a:r>
+              <a:rPr lang="en-US" altLang="zh-CN" sz="2800" dirty="0" err="1"/>
+              <a:t>JSON</a:t>
+            </a:r>
+            <a:r>
+              <a:rPr lang="en-US" altLang="zh-CN" sz="2800" dirty="0"/>
+              <a:t>-Java</a:t>
+            </a:r>
+            <a:r>
+              <a:rPr lang="zh-CN" altLang="en-US" sz="2800" dirty="0"/>
+              <a:t>、</a:t>
+            </a:r>
+            <a:r>
+              <a:rPr lang="en-US" altLang="zh-CN" sz="2800" dirty="0" err="1"/>
+              <a:t>Gson</a:t>
+            </a:r>
+            <a:r>
+              <a:rPr lang="zh-CN" altLang="en-US" sz="2800" dirty="0"/>
+              <a:t>、</a:t>
+            </a:r>
+            <a:r>
+              <a:rPr lang="en-US" altLang="zh-CN" sz="2800" dirty="0"/>
+              <a:t>Jackson</a:t>
+            </a:r>
+            <a:r>
+              <a:rPr lang="zh-CN" altLang="en-US" sz="2800" dirty="0"/>
+              <a:t>、</a:t>
+            </a:r>
+            <a:r>
+              <a:rPr lang="en-US" altLang="zh-CN" sz="2800" dirty="0" err="1"/>
+              <a:t>FastJson</a:t>
+            </a:r>
+            <a:r>
+              <a:rPr lang="zh-CN" altLang="en-US" sz="2800" dirty="0"/>
+              <a:t>等</a:t>
+            </a:r>
+            <a:endParaRPr lang="en-US" altLang="zh-CN" sz="2800" dirty="0" smtClean="0"/>
+          </a:p>
+          <a:p>
+            <a:r>
               <a:rPr lang="zh-CN" altLang="en-US" sz="2800" dirty="0" smtClean="0"/>
               <a:t>解析</a:t>
             </a:r>
@@ -7442,7 +7449,7 @@
               <a:buNone/>
             </a:pPr>
             <a:r>
-              <a:rPr lang="en-US" altLang="zh-CN" dirty="0"/>
+              <a:rPr lang="en-US" altLang="zh-CN" sz="2000" dirty="0"/>
               <a:t>json-lib-2.4-jdk15.jar </a:t>
             </a:r>
           </a:p>
@@ -7451,33 +7458,30 @@
               <a:buNone/>
             </a:pPr>
             <a:r>
-              <a:rPr lang="en-US" altLang="zh-CN" dirty="0" smtClean="0"/>
-              <a:t>commons-logging-1.2.jar </a:t>
-            </a:r>
-            <a:r>
-              <a:rPr lang="en-US" altLang="zh-CN" dirty="0"/>
-              <a:t/>
-            </a:r>
-            <a:br>
-              <a:rPr lang="en-US" altLang="zh-CN" dirty="0"/>
-            </a:br>
-            <a:r>
-              <a:rPr lang="en-US" altLang="zh-CN" dirty="0">
+              <a:rPr lang="en-US" altLang="zh-CN" sz="2000" dirty="0" smtClean="0">
                 <a:solidFill>
                   <a:srgbClr val="FF0000"/>
                 </a:solidFill>
               </a:rPr>
               <a:t>commons-beanutils-1.7.0.jar </a:t>
             </a:r>
+            <a:r>
+              <a:rPr lang="en-US" altLang="zh-CN" sz="2000" dirty="0">
+                <a:solidFill>
+                  <a:srgbClr val="FF0000"/>
+                </a:solidFill>
+              </a:rPr>
+              <a:t/>
+            </a:r>
             <a:br>
-              <a:rPr lang="en-US" altLang="zh-CN" dirty="0">
+              <a:rPr lang="en-US" altLang="zh-CN" sz="2000" dirty="0">
                 <a:solidFill>
                   <a:srgbClr val="FF0000"/>
                 </a:solidFill>
               </a:rPr>
             </a:br>
             <a:r>
-              <a:rPr lang="en-US" altLang="zh-CN" dirty="0">
+              <a:rPr lang="en-US" altLang="zh-CN" sz="2000" dirty="0">
                 <a:solidFill>
                   <a:srgbClr val="FF0000"/>
                 </a:solidFill>
@@ -7485,14 +7489,14 @@
               <a:t>commons-lang-2.5.jar </a:t>
             </a:r>
             <a:br>
-              <a:rPr lang="en-US" altLang="zh-CN" dirty="0">
+              <a:rPr lang="en-US" altLang="zh-CN" sz="2000" dirty="0">
                 <a:solidFill>
                   <a:srgbClr val="FF0000"/>
                 </a:solidFill>
               </a:rPr>
             </a:br>
             <a:r>
-              <a:rPr lang="en-US" altLang="zh-CN" dirty="0" smtClean="0">
+              <a:rPr lang="en-US" altLang="zh-CN" sz="2000" dirty="0" smtClean="0">
                 <a:solidFill>
                   <a:srgbClr val="FF0000"/>
                 </a:solidFill>
@@ -7500,7 +7504,7 @@
               <a:t>commons-collections-3.1.jar </a:t>
             </a:r>
             <a:r>
-              <a:rPr lang="en-US" altLang="zh-CN" dirty="0">
+              <a:rPr lang="en-US" altLang="zh-CN" sz="2000" dirty="0">
                 <a:solidFill>
                   <a:srgbClr val="FF0000"/>
                 </a:solidFill>
@@ -7508,21 +7512,21 @@
               <a:t/>
             </a:r>
             <a:br>
-              <a:rPr lang="en-US" altLang="zh-CN" dirty="0">
+              <a:rPr lang="en-US" altLang="zh-CN" sz="2000" dirty="0">
                 <a:solidFill>
                   <a:srgbClr val="FF0000"/>
                 </a:solidFill>
               </a:rPr>
             </a:br>
             <a:r>
-              <a:rPr lang="en-US" altLang="zh-CN" dirty="0">
+              <a:rPr lang="en-US" altLang="zh-CN" sz="2000" dirty="0">
                 <a:solidFill>
                   <a:srgbClr val="FF0000"/>
                 </a:solidFill>
               </a:rPr>
               <a:t>ezmorph-1.0.3.jar </a:t>
             </a:r>
-            <a:endParaRPr lang="en-US" altLang="zh-CN" dirty="0" smtClean="0">
+            <a:endParaRPr lang="en-US" altLang="zh-CN" sz="2000" dirty="0" smtClean="0">
               <a:solidFill>
                 <a:srgbClr val="FF0000"/>
               </a:solidFill>
@@ -7548,19 +7552,18 @@
               <a:buNone/>
             </a:pPr>
             <a:r>
-              <a:rPr lang="en-US" altLang="zh-CN" sz="2400" dirty="0" err="1"/>
+              <a:rPr lang="en-US" altLang="zh-CN" dirty="0" err="1" smtClean="0"/>
               <a:t>TestNG</a:t>
             </a:r>
-            <a:endParaRPr lang="en-US" altLang="zh-CN" sz="2400" dirty="0"/>
-          </a:p>
-          <a:p>
-            <a:pPr marL="857250" lvl="3" indent="0">
-              <a:buNone/>
-            </a:pPr>
-            <a:r>
-              <a:rPr lang="en-US" altLang="zh-CN" sz="2400" dirty="0"/>
+            <a:r>
+              <a:rPr lang="zh-CN" altLang="en-US" dirty="0"/>
+              <a:t>、</a:t>
+            </a:r>
+            <a:r>
+              <a:rPr lang="en-US" altLang="zh-CN" dirty="0" smtClean="0"/>
               <a:t>Assert</a:t>
             </a:r>
+            <a:endParaRPr lang="en-US" altLang="zh-CN" dirty="0"/>
           </a:p>
           <a:p>
             <a:pPr marL="0" indent="0">
@@ -8345,12 +8348,12 @@
               </a:spcBef>
             </a:pPr>
             <a:r>
-              <a:rPr lang="zh-CN" altLang="en-US" sz="2400" dirty="0" smtClean="0"/>
-              <a:t>获取</a:t>
+              <a:rPr lang="zh-CN" altLang="en-US" sz="2400" smtClean="0"/>
+              <a:t>获取数组第一</a:t>
             </a:r>
             <a:r>
               <a:rPr lang="zh-CN" altLang="en-US" sz="2400" dirty="0"/>
-              <a:t>第一个</a:t>
+              <a:t>个</a:t>
             </a:r>
             <a:r>
               <a:rPr lang="zh-CN" altLang="en-US" sz="2400" dirty="0" smtClean="0"/>
@@ -8551,7 +8554,7 @@
         <a:sysClr val="windowText" lastClr="000000"/>
       </a:dk1>
       <a:lt1>
-        <a:sysClr val="window" lastClr="CCE8CF"/>
+        <a:sysClr val="window" lastClr="FFFFFF"/>
       </a:lt1>
       <a:dk2>
         <a:srgbClr val="1F497D"/>
@@ -8834,7 +8837,7 @@
         <a:sysClr val="windowText" lastClr="000000"/>
       </a:dk1>
       <a:lt1>
-        <a:sysClr val="window" lastClr="CCE8CF"/>
+        <a:sysClr val="window" lastClr="FFFFFF"/>
       </a:lt1>
       <a:dk2>
         <a:srgbClr val="1F497D"/>
